--- a/Xconnect.pptx
+++ b/Xconnect.pptx
@@ -214,7 +214,7 @@
           <a:p>
             <a:fld id="{380D3E06-9BF9-47E7-A253-4260DF5CE35F}" type="datetimeFigureOut">
               <a:rPr lang="tr-TR" smtClean="0"/>
-              <a:t>21.04.2019</a:t>
+              <a:t>26.04.2019</a:t>
             </a:fld>
             <a:endParaRPr lang="tr-TR"/>
           </a:p>
@@ -697,7 +697,7 @@
           <a:p>
             <a:fld id="{C0F4B3F7-870B-4BF0-9286-18BFBE390500}" type="datetimeFigureOut">
               <a:rPr lang="tr-TR" smtClean="0"/>
-              <a:t>21.04.2019</a:t>
+              <a:t>26.04.2019</a:t>
             </a:fld>
             <a:endParaRPr lang="tr-TR"/>
           </a:p>
@@ -867,7 +867,7 @@
           <a:p>
             <a:fld id="{C0F4B3F7-870B-4BF0-9286-18BFBE390500}" type="datetimeFigureOut">
               <a:rPr lang="tr-TR" smtClean="0"/>
-              <a:t>21.04.2019</a:t>
+              <a:t>26.04.2019</a:t>
             </a:fld>
             <a:endParaRPr lang="tr-TR"/>
           </a:p>
@@ -1047,7 +1047,7 @@
           <a:p>
             <a:fld id="{C0F4B3F7-870B-4BF0-9286-18BFBE390500}" type="datetimeFigureOut">
               <a:rPr lang="tr-TR" smtClean="0"/>
-              <a:t>21.04.2019</a:t>
+              <a:t>26.04.2019</a:t>
             </a:fld>
             <a:endParaRPr lang="tr-TR"/>
           </a:p>
@@ -1217,7 +1217,7 @@
           <a:p>
             <a:fld id="{C0F4B3F7-870B-4BF0-9286-18BFBE390500}" type="datetimeFigureOut">
               <a:rPr lang="tr-TR" smtClean="0"/>
-              <a:t>21.04.2019</a:t>
+              <a:t>26.04.2019</a:t>
             </a:fld>
             <a:endParaRPr lang="tr-TR"/>
           </a:p>
@@ -1463,7 +1463,7 @@
           <a:p>
             <a:fld id="{C0F4B3F7-870B-4BF0-9286-18BFBE390500}" type="datetimeFigureOut">
               <a:rPr lang="tr-TR" smtClean="0"/>
-              <a:t>21.04.2019</a:t>
+              <a:t>26.04.2019</a:t>
             </a:fld>
             <a:endParaRPr lang="tr-TR"/>
           </a:p>
@@ -1695,7 +1695,7 @@
           <a:p>
             <a:fld id="{C0F4B3F7-870B-4BF0-9286-18BFBE390500}" type="datetimeFigureOut">
               <a:rPr lang="tr-TR" smtClean="0"/>
-              <a:t>21.04.2019</a:t>
+              <a:t>26.04.2019</a:t>
             </a:fld>
             <a:endParaRPr lang="tr-TR"/>
           </a:p>
@@ -2062,7 +2062,7 @@
           <a:p>
             <a:fld id="{C0F4B3F7-870B-4BF0-9286-18BFBE390500}" type="datetimeFigureOut">
               <a:rPr lang="tr-TR" smtClean="0"/>
-              <a:t>21.04.2019</a:t>
+              <a:t>26.04.2019</a:t>
             </a:fld>
             <a:endParaRPr lang="tr-TR"/>
           </a:p>
@@ -2180,7 +2180,7 @@
           <a:p>
             <a:fld id="{C0F4B3F7-870B-4BF0-9286-18BFBE390500}" type="datetimeFigureOut">
               <a:rPr lang="tr-TR" smtClean="0"/>
-              <a:t>21.04.2019</a:t>
+              <a:t>26.04.2019</a:t>
             </a:fld>
             <a:endParaRPr lang="tr-TR"/>
           </a:p>
@@ -2275,7 +2275,7 @@
           <a:p>
             <a:fld id="{C0F4B3F7-870B-4BF0-9286-18BFBE390500}" type="datetimeFigureOut">
               <a:rPr lang="tr-TR" smtClean="0"/>
-              <a:t>21.04.2019</a:t>
+              <a:t>26.04.2019</a:t>
             </a:fld>
             <a:endParaRPr lang="tr-TR"/>
           </a:p>
@@ -2552,7 +2552,7 @@
           <a:p>
             <a:fld id="{C0F4B3F7-870B-4BF0-9286-18BFBE390500}" type="datetimeFigureOut">
               <a:rPr lang="tr-TR" smtClean="0"/>
-              <a:t>21.04.2019</a:t>
+              <a:t>26.04.2019</a:t>
             </a:fld>
             <a:endParaRPr lang="tr-TR"/>
           </a:p>
@@ -2805,7 +2805,7 @@
           <a:p>
             <a:fld id="{C0F4B3F7-870B-4BF0-9286-18BFBE390500}" type="datetimeFigureOut">
               <a:rPr lang="tr-TR" smtClean="0"/>
-              <a:t>21.04.2019</a:t>
+              <a:t>26.04.2019</a:t>
             </a:fld>
             <a:endParaRPr lang="tr-TR"/>
           </a:p>
@@ -3018,7 +3018,7 @@
           <a:p>
             <a:fld id="{C0F4B3F7-870B-4BF0-9286-18BFBE390500}" type="datetimeFigureOut">
               <a:rPr lang="tr-TR" smtClean="0"/>
-              <a:t>21.04.2019</a:t>
+              <a:t>26.04.2019</a:t>
             </a:fld>
             <a:endParaRPr lang="tr-TR"/>
           </a:p>
@@ -8086,11 +8086,11 @@
           <a:lstStyle/>
           <a:p>
             <a:r>
-              <a:rPr lang="tr-TR" dirty="0" err="1"/>
-              <a:t>GuzzleHttp</a:t>
-            </a:r>
-            <a:r>
-              <a:rPr lang="tr-TR" dirty="0"/>
+              <a:rPr lang="tr-TR" dirty="0" err="1" smtClean="0"/>
+              <a:t>AngularJS</a:t>
+            </a:r>
+            <a:r>
+              <a:rPr lang="tr-TR" dirty="0" smtClean="0"/>
               <a:t> </a:t>
             </a:r>
             <a:r>
@@ -13810,11 +13810,7 @@
             </a:r>
             <a:r>
               <a:rPr lang="tr-TR" sz="2400" dirty="0" err="1" smtClean="0"/>
-              <a:t>YOKSIS</a:t>
-            </a:r>
-            <a:r>
-              <a:rPr lang="tr-TR" sz="2400" dirty="0" err="1" smtClean="0"/>
-              <a:t>ozGecmis.php</a:t>
+              <a:t>YOKSISozGecmis.php</a:t>
             </a:r>
             <a:endParaRPr lang="tr-TR" sz="2400" dirty="0"/>
           </a:p>
@@ -13836,11 +13832,7 @@
             </a:r>
             <a:r>
               <a:rPr lang="tr-TR" sz="2400" dirty="0" err="1" smtClean="0"/>
-              <a:t>YOKSIS</a:t>
-            </a:r>
-            <a:r>
-              <a:rPr lang="tr-TR" sz="2400" dirty="0" err="1" smtClean="0"/>
-              <a:t>ozGecmis.php</a:t>
+              <a:t>YOKSISozGecmis.php</a:t>
             </a:r>
             <a:endParaRPr lang="tr-TR" sz="2400" dirty="0"/>
           </a:p>
@@ -14356,8 +14348,9 @@
                 <a:solidFill>
                   <a:schemeClr val="accent1"/>
                 </a:solidFill>
-                <a:latin typeface="Courier New" panose="02070309020205020404" pitchFamily="49" charset="0"/>
+                <a:latin typeface="Consolas" panose="020B0609020204030204" pitchFamily="49" charset="0"/>
                 <a:cs typeface="Courier New" panose="02070309020205020404" pitchFamily="49" charset="0"/>
+                <a:hlinkClick r:id="rId3"/>
               </a:rPr>
               <a:t>https://</a:t>
             </a:r>
@@ -14366,8 +14359,9 @@
                 <a:solidFill>
                   <a:schemeClr val="accent1"/>
                 </a:solidFill>
-                <a:latin typeface="Courier New" panose="02070309020205020404" pitchFamily="49" charset="0"/>
+                <a:latin typeface="Consolas" panose="020B0609020204030204" pitchFamily="49" charset="0"/>
                 <a:cs typeface="Courier New" panose="02070309020205020404" pitchFamily="49" charset="0"/>
+                <a:hlinkClick r:id="rId3"/>
               </a:rPr>
               <a:t>github.com/smcn/Xconnect/</a:t>
             </a:r>
@@ -14375,7 +14369,7 @@
               <a:solidFill>
                 <a:schemeClr val="accent1"/>
               </a:solidFill>
-              <a:latin typeface="Courier New" panose="02070309020205020404" pitchFamily="49" charset="0"/>
+              <a:latin typeface="Consolas" panose="020B0609020204030204" pitchFamily="49" charset="0"/>
               <a:cs typeface="Courier New" panose="02070309020205020404" pitchFamily="49" charset="0"/>
             </a:endParaRPr>
           </a:p>
@@ -14409,7 +14403,7 @@
                 <a:solidFill>
                   <a:schemeClr val="accent1"/>
                 </a:solidFill>
-                <a:latin typeface="Courier New" panose="02070309020205020404" pitchFamily="49" charset="0"/>
+                <a:latin typeface="Consolas" panose="020B0609020204030204" pitchFamily="49" charset="0"/>
                 <a:cs typeface="Courier New" panose="02070309020205020404" pitchFamily="49" charset="0"/>
               </a:rPr>
               <a:t>Öğr</a:t>
@@ -14419,7 +14413,7 @@
                 <a:solidFill>
                   <a:schemeClr val="accent1"/>
                 </a:solidFill>
-                <a:latin typeface="Courier New" panose="02070309020205020404" pitchFamily="49" charset="0"/>
+                <a:latin typeface="Consolas" panose="020B0609020204030204" pitchFamily="49" charset="0"/>
                 <a:cs typeface="Courier New" panose="02070309020205020404" pitchFamily="49" charset="0"/>
               </a:rPr>
               <a:t>. Gör. İsmail CAN  -  can@omu.edu.tr</a:t>
@@ -14428,7 +14422,7 @@
               <a:solidFill>
                 <a:schemeClr val="accent1"/>
               </a:solidFill>
-              <a:latin typeface="Courier New" panose="02070309020205020404" pitchFamily="49" charset="0"/>
+              <a:latin typeface="Consolas" panose="020B0609020204030204" pitchFamily="49" charset="0"/>
               <a:cs typeface="Courier New" panose="02070309020205020404" pitchFamily="49" charset="0"/>
             </a:endParaRPr>
           </a:p>
@@ -14443,7 +14437,7 @@
         <p:spPr>
           <a:xfrm>
             <a:off x="944880" y="2997229"/>
-            <a:ext cx="10774680" cy="1107996"/>
+            <a:ext cx="10774680" cy="461665"/>
           </a:xfrm>
           <a:prstGeom prst="rect">
             <a:avLst/>
@@ -14458,20 +14452,20 @@
           <a:p>
             <a:pPr algn="ctr"/>
             <a:r>
-              <a:rPr lang="tr-TR" sz="6600" b="1" dirty="0" smtClean="0">
+              <a:rPr lang="tr-TR" sz="2400" b="1" dirty="0" smtClean="0">
                 <a:solidFill>
                   <a:schemeClr val="accent1"/>
                 </a:solidFill>
-                <a:latin typeface="Courier New" panose="02070309020205020404" pitchFamily="49" charset="0"/>
+                <a:latin typeface="Consolas" panose="020B0609020204030204" pitchFamily="49" charset="0"/>
                 <a:cs typeface="Courier New" panose="02070309020205020404" pitchFamily="49" charset="0"/>
               </a:rPr>
-              <a:t>Sorular? </a:t>
-            </a:r>
-            <a:endParaRPr lang="tr-TR" sz="6600" b="1" dirty="0">
+              <a:t>Dinlediğiniz için Teşekkürler… </a:t>
+            </a:r>
+            <a:endParaRPr lang="tr-TR" sz="2400" b="1" dirty="0">
               <a:solidFill>
                 <a:schemeClr val="accent1"/>
               </a:solidFill>
-              <a:latin typeface="Courier New" panose="02070309020205020404" pitchFamily="49" charset="0"/>
+              <a:latin typeface="Consolas" panose="020B0609020204030204" pitchFamily="49" charset="0"/>
               <a:cs typeface="Courier New" panose="02070309020205020404" pitchFamily="49" charset="0"/>
             </a:endParaRPr>
           </a:p>
